--- a/3_7_model_evaluation/model_evaluation.pptx
+++ b/3_7_model_evaluation/model_evaluation.pptx
@@ -8,6 +8,10 @@
     <p:sldId id="256" r:id="rId2"/>
     <p:sldId id="257" r:id="rId3"/>
     <p:sldId id="258" r:id="rId4"/>
+    <p:sldId id="259" r:id="rId5"/>
+    <p:sldId id="260" r:id="rId6"/>
+    <p:sldId id="261" r:id="rId7"/>
+    <p:sldId id="262" r:id="rId8"/>
   </p:sldIdLst>
   <p:sldSz cx="12192000" cy="6858000"/>
   <p:notesSz cx="6858000" cy="9144000"/>
@@ -106,6 +110,11 @@
       </a:defRPr>
     </a:lvl9pPr>
   </p:defaultTextStyle>
+  <p:extLst>
+    <p:ext uri="{EFAFB233-063F-42B5-8137-9DF3F51BA10A}">
+      <p15:sldGuideLst xmlns:p15="http://schemas.microsoft.com/office/powerpoint/2012/main"/>
+    </p:ext>
+  </p:extLst>
 </p:presentation>
 </file>
 
@@ -7650,6 +7659,2230 @@
 </p:sld>
 </file>
 
+<file path=ppt/slides/slide4.xml><?xml version="1.0" encoding="utf-8"?>
+<p:sld xmlns:a="http://schemas.openxmlformats.org/drawingml/2006/main" xmlns:r="http://schemas.openxmlformats.org/officeDocument/2006/relationships" xmlns:p="http://schemas.openxmlformats.org/presentationml/2006/main">
+  <p:cSld>
+    <p:spTree>
+      <p:nvGrpSpPr>
+        <p:cNvPr id="1" name=""/>
+        <p:cNvGrpSpPr/>
+        <p:nvPr/>
+      </p:nvGrpSpPr>
+      <p:grpSpPr>
+        <a:xfrm>
+          <a:off x="0" y="0"/>
+          <a:ext cx="0" cy="0"/>
+          <a:chOff x="0" y="0"/>
+          <a:chExt cx="0" cy="0"/>
+        </a:xfrm>
+      </p:grpSpPr>
+      <p:graphicFrame>
+        <p:nvGraphicFramePr>
+          <p:cNvPr id="12" name="표 11">
+            <a:extLst>
+              <a:ext uri="{FF2B5EF4-FFF2-40B4-BE49-F238E27FC236}">
+                <a16:creationId xmlns:a16="http://schemas.microsoft.com/office/drawing/2014/main" id="{09671C7E-AF5F-4FDA-A157-765824C198B7}"/>
+              </a:ext>
+            </a:extLst>
+          </p:cNvPr>
+          <p:cNvGraphicFramePr>
+            <a:graphicFrameLocks noGrp="1"/>
+          </p:cNvGraphicFramePr>
+          <p:nvPr>
+            <p:extLst>
+              <p:ext uri="{D42A27DB-BD31-4B8C-83A1-F6EECF244321}">
+                <p14:modId xmlns:p14="http://schemas.microsoft.com/office/powerpoint/2010/main" val="2911145354"/>
+              </p:ext>
+            </p:extLst>
+          </p:nvPr>
+        </p:nvGraphicFramePr>
+        <p:xfrm>
+          <a:off x="278492" y="1845129"/>
+          <a:ext cx="11436024" cy="2481936"/>
+        </p:xfrm>
+        <a:graphic>
+          <a:graphicData uri="http://schemas.openxmlformats.org/drawingml/2006/table">
+            <a:tbl>
+              <a:tblPr firstRow="1" bandRow="1">
+                <a:tableStyleId>{5C22544A-7EE6-4342-B048-85BDC9FD1C3A}</a:tableStyleId>
+              </a:tblPr>
+              <a:tblGrid>
+                <a:gridCol w="1906004">
+                  <a:extLst>
+                    <a:ext uri="{9D8B030D-6E8A-4147-A177-3AD203B41FA5}">
+                      <a16:colId xmlns:a16="http://schemas.microsoft.com/office/drawing/2014/main" val="2410885540"/>
+                    </a:ext>
+                  </a:extLst>
+                </a:gridCol>
+                <a:gridCol w="1906004">
+                  <a:extLst>
+                    <a:ext uri="{9D8B030D-6E8A-4147-A177-3AD203B41FA5}">
+                      <a16:colId xmlns:a16="http://schemas.microsoft.com/office/drawing/2014/main" val="184977451"/>
+                    </a:ext>
+                  </a:extLst>
+                </a:gridCol>
+                <a:gridCol w="1906004">
+                  <a:extLst>
+                    <a:ext uri="{9D8B030D-6E8A-4147-A177-3AD203B41FA5}">
+                      <a16:colId xmlns:a16="http://schemas.microsoft.com/office/drawing/2014/main" val="2100882215"/>
+                    </a:ext>
+                  </a:extLst>
+                </a:gridCol>
+                <a:gridCol w="1906004">
+                  <a:extLst>
+                    <a:ext uri="{9D8B030D-6E8A-4147-A177-3AD203B41FA5}">
+                      <a16:colId xmlns:a16="http://schemas.microsoft.com/office/drawing/2014/main" val="2996156964"/>
+                    </a:ext>
+                  </a:extLst>
+                </a:gridCol>
+                <a:gridCol w="1906004">
+                  <a:extLst>
+                    <a:ext uri="{9D8B030D-6E8A-4147-A177-3AD203B41FA5}">
+                      <a16:colId xmlns:a16="http://schemas.microsoft.com/office/drawing/2014/main" val="539176434"/>
+                    </a:ext>
+                  </a:extLst>
+                </a:gridCol>
+                <a:gridCol w="1906004">
+                  <a:extLst>
+                    <a:ext uri="{9D8B030D-6E8A-4147-A177-3AD203B41FA5}">
+                      <a16:colId xmlns:a16="http://schemas.microsoft.com/office/drawing/2014/main" val="3355916656"/>
+                    </a:ext>
+                  </a:extLst>
+                </a:gridCol>
+              </a:tblGrid>
+              <a:tr h="2481936">
+                <a:tc>
+                  <a:txBody>
+                    <a:bodyPr/>
+                    <a:lstStyle/>
+                    <a:p>
+                      <a:pPr algn="ctr" latinLnBrk="1"/>
+                      <a:r>
+                        <a:rPr lang="en-US" altLang="ko-KR" dirty="0"/>
+                        <a:t>X</a:t>
+                      </a:r>
+                      <a:endParaRPr lang="ko-KR" altLang="en-US" dirty="0"/>
+                    </a:p>
+                  </a:txBody>
+                  <a:tcPr anchor="ctr"/>
+                </a:tc>
+                <a:tc>
+                  <a:txBody>
+                    <a:bodyPr/>
+                    <a:lstStyle/>
+                    <a:p>
+                      <a:pPr algn="ctr" latinLnBrk="1"/>
+                      <a:r>
+                        <a:rPr lang="en-US" altLang="ko-KR" dirty="0"/>
+                        <a:t>(1.2, 0.8)</a:t>
+                      </a:r>
+                      <a:endParaRPr lang="ko-KR" altLang="en-US" dirty="0"/>
+                    </a:p>
+                  </a:txBody>
+                  <a:tcPr anchor="b"/>
+                </a:tc>
+                <a:tc>
+                  <a:txBody>
+                    <a:bodyPr/>
+                    <a:lstStyle/>
+                    <a:p>
+                      <a:pPr algn="ctr" latinLnBrk="1"/>
+                      <a:r>
+                        <a:rPr lang="en-US" altLang="ko-KR" dirty="0"/>
+                        <a:t>(1.0, 0.7)</a:t>
+                      </a:r>
+                      <a:endParaRPr lang="ko-KR" altLang="en-US" dirty="0"/>
+                    </a:p>
+                  </a:txBody>
+                  <a:tcPr anchor="b"/>
+                </a:tc>
+                <a:tc>
+                  <a:txBody>
+                    <a:bodyPr/>
+                    <a:lstStyle/>
+                    <a:p>
+                      <a:pPr marL="0" marR="0" lvl="0" indent="0" algn="ctr" defTabSz="914400" rtl="0" eaLnBrk="1" fontAlgn="auto" latinLnBrk="1" hangingPunct="1">
+                        <a:lnSpc>
+                          <a:spcPct val="100000"/>
+                        </a:lnSpc>
+                        <a:spcBef>
+                          <a:spcPts val="0"/>
+                        </a:spcBef>
+                        <a:spcAft>
+                          <a:spcPts val="0"/>
+                        </a:spcAft>
+                        <a:buClrTx/>
+                        <a:buSzTx/>
+                        <a:buFontTx/>
+                        <a:buNone/>
+                        <a:tabLst/>
+                        <a:defRPr/>
+                      </a:pPr>
+                      <a:r>
+                        <a:rPr lang="en-US" altLang="ko-KR" dirty="0"/>
+                        <a:t>…</a:t>
+                      </a:r>
+                      <a:endParaRPr lang="ko-KR" altLang="en-US" dirty="0"/>
+                    </a:p>
+                    <a:p>
+                      <a:pPr algn="ctr" latinLnBrk="1"/>
+                      <a:endParaRPr lang="ko-KR" altLang="en-US" dirty="0"/>
+                    </a:p>
+                  </a:txBody>
+                  <a:tcPr anchor="b"/>
+                </a:tc>
+                <a:tc>
+                  <a:txBody>
+                    <a:bodyPr/>
+                    <a:lstStyle/>
+                    <a:p>
+                      <a:pPr algn="ctr" latinLnBrk="1"/>
+                      <a:r>
+                        <a:rPr lang="en-US" altLang="ko-KR" dirty="0"/>
+                        <a:t>(0.2, 0.3)</a:t>
+                      </a:r>
+                      <a:endParaRPr lang="ko-KR" altLang="en-US" dirty="0"/>
+                    </a:p>
+                  </a:txBody>
+                  <a:tcPr anchor="b"/>
+                </a:tc>
+                <a:tc>
+                  <a:txBody>
+                    <a:bodyPr/>
+                    <a:lstStyle/>
+                    <a:p>
+                      <a:pPr algn="ctr" latinLnBrk="1"/>
+                      <a:r>
+                        <a:rPr lang="en-US" altLang="ko-KR" dirty="0"/>
+                        <a:t>(0.3, 0.5)</a:t>
+                      </a:r>
+                      <a:endParaRPr lang="ko-KR" altLang="en-US" dirty="0"/>
+                    </a:p>
+                  </a:txBody>
+                  <a:tcPr anchor="b"/>
+                </a:tc>
+                <a:extLst>
+                  <a:ext uri="{0D108BD9-81ED-4DB2-BD59-A6C34878D82A}">
+                    <a16:rowId xmlns:a16="http://schemas.microsoft.com/office/drawing/2014/main" val="3596128659"/>
+                  </a:ext>
+                </a:extLst>
+              </a:tr>
+            </a:tbl>
+          </a:graphicData>
+        </a:graphic>
+      </p:graphicFrame>
+      <p:pic>
+        <p:nvPicPr>
+          <p:cNvPr id="5" name="그림 4" descr="앉아있는, 검은색, 실내, 운송이(가) 표시된 사진&#10;&#10;자동 생성된 설명">
+            <a:extLst>
+              <a:ext uri="{FF2B5EF4-FFF2-40B4-BE49-F238E27FC236}">
+                <a16:creationId xmlns:a16="http://schemas.microsoft.com/office/drawing/2014/main" id="{4E8A0D14-448C-45FD-A769-23DEBD8A3D48}"/>
+              </a:ext>
+            </a:extLst>
+          </p:cNvPr>
+          <p:cNvPicPr>
+            <a:picLocks noChangeAspect="1"/>
+          </p:cNvPicPr>
+          <p:nvPr/>
+        </p:nvPicPr>
+        <p:blipFill>
+          <a:blip r:embed="rId2">
+            <a:extLst>
+              <a:ext uri="{28A0092B-C50C-407E-A947-70E740481C1C}">
+                <a14:useLocalDpi xmlns:a14="http://schemas.microsoft.com/office/drawing/2010/main" val="0"/>
+              </a:ext>
+            </a:extLst>
+          </a:blip>
+          <a:stretch>
+            <a:fillRect/>
+          </a:stretch>
+        </p:blipFill>
+        <p:spPr>
+          <a:xfrm>
+            <a:off x="2372341" y="1997019"/>
+            <a:ext cx="1579173" cy="1591806"/>
+          </a:xfrm>
+          <a:prstGeom prst="rect">
+            <a:avLst/>
+          </a:prstGeom>
+        </p:spPr>
+      </p:pic>
+      <p:pic>
+        <p:nvPicPr>
+          <p:cNvPr id="8" name="그림 7" descr="실내, 앉아있는, 파란색, 테이블이(가) 표시된 사진&#10;&#10;자동 생성된 설명">
+            <a:extLst>
+              <a:ext uri="{FF2B5EF4-FFF2-40B4-BE49-F238E27FC236}">
+                <a16:creationId xmlns:a16="http://schemas.microsoft.com/office/drawing/2014/main" id="{8B0A3BF2-FF53-4E2C-8415-191105EEF1B0}"/>
+              </a:ext>
+            </a:extLst>
+          </p:cNvPr>
+          <p:cNvPicPr>
+            <a:picLocks noChangeAspect="1"/>
+          </p:cNvPicPr>
+          <p:nvPr/>
+        </p:nvPicPr>
+        <p:blipFill rotWithShape="1">
+          <a:blip r:embed="rId3">
+            <a:extLst>
+              <a:ext uri="{28A0092B-C50C-407E-A947-70E740481C1C}">
+                <a14:useLocalDpi xmlns:a14="http://schemas.microsoft.com/office/drawing/2010/main" val="0"/>
+              </a:ext>
+            </a:extLst>
+          </a:blip>
+          <a:srcRect l="14743" r="17486"/>
+          <a:stretch/>
+        </p:blipFill>
+        <p:spPr>
+          <a:xfrm>
+            <a:off x="4255073" y="1997019"/>
+            <a:ext cx="1626317" cy="1591806"/>
+          </a:xfrm>
+          <a:prstGeom prst="rect">
+            <a:avLst/>
+          </a:prstGeom>
+        </p:spPr>
+      </p:pic>
+      <p:graphicFrame>
+        <p:nvGraphicFramePr>
+          <p:cNvPr id="7" name="표 6">
+            <a:extLst>
+              <a:ext uri="{FF2B5EF4-FFF2-40B4-BE49-F238E27FC236}">
+                <a16:creationId xmlns:a16="http://schemas.microsoft.com/office/drawing/2014/main" id="{29BD948F-4127-41C5-AE7C-99B0C7CA14BD}"/>
+              </a:ext>
+            </a:extLst>
+          </p:cNvPr>
+          <p:cNvGraphicFramePr>
+            <a:graphicFrameLocks noGrp="1"/>
+          </p:cNvGraphicFramePr>
+          <p:nvPr>
+            <p:extLst>
+              <p:ext uri="{D42A27DB-BD31-4B8C-83A1-F6EECF244321}">
+                <p14:modId xmlns:p14="http://schemas.microsoft.com/office/powerpoint/2010/main" val="1443660112"/>
+              </p:ext>
+            </p:extLst>
+          </p:nvPr>
+        </p:nvGraphicFramePr>
+        <p:xfrm>
+          <a:off x="278492" y="4547759"/>
+          <a:ext cx="11436024" cy="1400774"/>
+        </p:xfrm>
+        <a:graphic>
+          <a:graphicData uri="http://schemas.openxmlformats.org/drawingml/2006/table">
+            <a:tbl>
+              <a:tblPr firstRow="1" bandRow="1">
+                <a:tableStyleId>{5C22544A-7EE6-4342-B048-85BDC9FD1C3A}</a:tableStyleId>
+              </a:tblPr>
+              <a:tblGrid>
+                <a:gridCol w="1906004">
+                  <a:extLst>
+                    <a:ext uri="{9D8B030D-6E8A-4147-A177-3AD203B41FA5}">
+                      <a16:colId xmlns:a16="http://schemas.microsoft.com/office/drawing/2014/main" val="2410885540"/>
+                    </a:ext>
+                  </a:extLst>
+                </a:gridCol>
+                <a:gridCol w="1906004">
+                  <a:extLst>
+                    <a:ext uri="{9D8B030D-6E8A-4147-A177-3AD203B41FA5}">
+                      <a16:colId xmlns:a16="http://schemas.microsoft.com/office/drawing/2014/main" val="184977451"/>
+                    </a:ext>
+                  </a:extLst>
+                </a:gridCol>
+                <a:gridCol w="1906004">
+                  <a:extLst>
+                    <a:ext uri="{9D8B030D-6E8A-4147-A177-3AD203B41FA5}">
+                      <a16:colId xmlns:a16="http://schemas.microsoft.com/office/drawing/2014/main" val="2100882215"/>
+                    </a:ext>
+                  </a:extLst>
+                </a:gridCol>
+                <a:gridCol w="1906004">
+                  <a:extLst>
+                    <a:ext uri="{9D8B030D-6E8A-4147-A177-3AD203B41FA5}">
+                      <a16:colId xmlns:a16="http://schemas.microsoft.com/office/drawing/2014/main" val="2996156964"/>
+                    </a:ext>
+                  </a:extLst>
+                </a:gridCol>
+                <a:gridCol w="1906004">
+                  <a:extLst>
+                    <a:ext uri="{9D8B030D-6E8A-4147-A177-3AD203B41FA5}">
+                      <a16:colId xmlns:a16="http://schemas.microsoft.com/office/drawing/2014/main" val="539176434"/>
+                    </a:ext>
+                  </a:extLst>
+                </a:gridCol>
+                <a:gridCol w="1906004">
+                  <a:extLst>
+                    <a:ext uri="{9D8B030D-6E8A-4147-A177-3AD203B41FA5}">
+                      <a16:colId xmlns:a16="http://schemas.microsoft.com/office/drawing/2014/main" val="3355916656"/>
+                    </a:ext>
+                  </a:extLst>
+                </a:gridCol>
+              </a:tblGrid>
+              <a:tr h="1400774">
+                <a:tc>
+                  <a:txBody>
+                    <a:bodyPr/>
+                    <a:lstStyle/>
+                    <a:p>
+                      <a:pPr algn="ctr" latinLnBrk="1"/>
+                      <a:r>
+                        <a:rPr lang="en-US" altLang="ko-KR" dirty="0"/>
+                        <a:t>y</a:t>
+                      </a:r>
+                      <a:endParaRPr lang="ko-KR" altLang="en-US" dirty="0"/>
+                    </a:p>
+                  </a:txBody>
+                  <a:tcPr anchor="ctr"/>
+                </a:tc>
+                <a:tc>
+                  <a:txBody>
+                    <a:bodyPr/>
+                    <a:lstStyle/>
+                    <a:p>
+                      <a:pPr algn="ctr" latinLnBrk="1"/>
+                      <a:r>
+                        <a:rPr lang="en-US" altLang="ko-KR" dirty="0"/>
+                        <a:t>1</a:t>
+                      </a:r>
+                      <a:endParaRPr lang="ko-KR" altLang="en-US" dirty="0"/>
+                    </a:p>
+                  </a:txBody>
+                  <a:tcPr anchor="ctr"/>
+                </a:tc>
+                <a:tc>
+                  <a:txBody>
+                    <a:bodyPr/>
+                    <a:lstStyle/>
+                    <a:p>
+                      <a:pPr algn="ctr" latinLnBrk="1"/>
+                      <a:r>
+                        <a:rPr lang="en-US" altLang="ko-KR" dirty="0"/>
+                        <a:t>1</a:t>
+                      </a:r>
+                      <a:endParaRPr lang="ko-KR" altLang="en-US" dirty="0"/>
+                    </a:p>
+                  </a:txBody>
+                  <a:tcPr anchor="ctr"/>
+                </a:tc>
+                <a:tc>
+                  <a:txBody>
+                    <a:bodyPr/>
+                    <a:lstStyle/>
+                    <a:p>
+                      <a:pPr marL="0" marR="0" lvl="0" indent="0" algn="l" defTabSz="914400" rtl="0" eaLnBrk="1" fontAlgn="auto" latinLnBrk="1" hangingPunct="1">
+                        <a:lnSpc>
+                          <a:spcPct val="100000"/>
+                        </a:lnSpc>
+                        <a:spcBef>
+                          <a:spcPts val="0"/>
+                        </a:spcBef>
+                        <a:spcAft>
+                          <a:spcPts val="0"/>
+                        </a:spcAft>
+                        <a:buClrTx/>
+                        <a:buSzTx/>
+                        <a:buFontTx/>
+                        <a:buNone/>
+                        <a:tabLst/>
+                        <a:defRPr/>
+                      </a:pPr>
+                      <a:endParaRPr lang="ko-KR" altLang="en-US" dirty="0"/>
+                    </a:p>
+                    <a:p>
+                      <a:pPr marL="0" marR="0" lvl="0" indent="0" algn="ctr" defTabSz="914400" rtl="0" eaLnBrk="1" fontAlgn="auto" latinLnBrk="1" hangingPunct="1">
+                        <a:lnSpc>
+                          <a:spcPct val="100000"/>
+                        </a:lnSpc>
+                        <a:spcBef>
+                          <a:spcPts val="0"/>
+                        </a:spcBef>
+                        <a:spcAft>
+                          <a:spcPts val="0"/>
+                        </a:spcAft>
+                        <a:buClrTx/>
+                        <a:buSzTx/>
+                        <a:buFontTx/>
+                        <a:buNone/>
+                        <a:tabLst/>
+                        <a:defRPr/>
+                      </a:pPr>
+                      <a:r>
+                        <a:rPr lang="en-US" altLang="ko-KR" dirty="0"/>
+                        <a:t>…</a:t>
+                      </a:r>
+                      <a:endParaRPr lang="ko-KR" altLang="en-US" dirty="0"/>
+                    </a:p>
+                    <a:p>
+                      <a:pPr algn="ctr" latinLnBrk="1"/>
+                      <a:endParaRPr lang="ko-KR" altLang="en-US" dirty="0"/>
+                    </a:p>
+                  </a:txBody>
+                  <a:tcPr anchor="ctr"/>
+                </a:tc>
+                <a:tc>
+                  <a:txBody>
+                    <a:bodyPr/>
+                    <a:lstStyle/>
+                    <a:p>
+                      <a:pPr algn="ctr" latinLnBrk="1"/>
+                      <a:r>
+                        <a:rPr lang="en-US" altLang="ko-KR" dirty="0"/>
+                        <a:t>0</a:t>
+                      </a:r>
+                      <a:endParaRPr lang="ko-KR" altLang="en-US" dirty="0"/>
+                    </a:p>
+                  </a:txBody>
+                  <a:tcPr anchor="ctr"/>
+                </a:tc>
+                <a:tc>
+                  <a:txBody>
+                    <a:bodyPr/>
+                    <a:lstStyle/>
+                    <a:p>
+                      <a:pPr algn="ctr" latinLnBrk="1"/>
+                      <a:r>
+                        <a:rPr lang="en-US" altLang="ko-KR" dirty="0"/>
+                        <a:t>0</a:t>
+                      </a:r>
+                      <a:endParaRPr lang="ko-KR" altLang="en-US" dirty="0"/>
+                    </a:p>
+                  </a:txBody>
+                  <a:tcPr anchor="ctr"/>
+                </a:tc>
+                <a:extLst>
+                  <a:ext uri="{0D108BD9-81ED-4DB2-BD59-A6C34878D82A}">
+                    <a16:rowId xmlns:a16="http://schemas.microsoft.com/office/drawing/2014/main" val="3596128659"/>
+                  </a:ext>
+                </a:extLst>
+              </a:tr>
+            </a:tbl>
+          </a:graphicData>
+        </a:graphic>
+      </p:graphicFrame>
+      <p:pic>
+        <p:nvPicPr>
+          <p:cNvPr id="2" name="Picture 2" descr="토끼에 대한 이미지 검색결과">
+            <a:extLst>
+              <a:ext uri="{FF2B5EF4-FFF2-40B4-BE49-F238E27FC236}">
+                <a16:creationId xmlns:a16="http://schemas.microsoft.com/office/drawing/2014/main" id="{3670700A-777C-43C3-8845-1921EFACEAC2}"/>
+              </a:ext>
+            </a:extLst>
+          </p:cNvPr>
+          <p:cNvPicPr>
+            <a:picLocks noChangeAspect="1" noChangeArrowheads="1"/>
+          </p:cNvPicPr>
+          <p:nvPr/>
+        </p:nvPicPr>
+        <p:blipFill>
+          <a:blip r:embed="rId4">
+            <a:extLst>
+              <a:ext uri="{28A0092B-C50C-407E-A947-70E740481C1C}">
+                <a14:useLocalDpi xmlns:a14="http://schemas.microsoft.com/office/drawing/2010/main" val="0"/>
+              </a:ext>
+            </a:extLst>
+          </a:blip>
+          <a:srcRect/>
+          <a:stretch>
+            <a:fillRect/>
+          </a:stretch>
+        </p:blipFill>
+        <p:spPr bwMode="auto">
+          <a:xfrm>
+            <a:off x="9878312" y="2065823"/>
+            <a:ext cx="1591806" cy="1591806"/>
+          </a:xfrm>
+          <a:prstGeom prst="rect">
+            <a:avLst/>
+          </a:prstGeom>
+          <a:noFill/>
+          <a:extLst>
+            <a:ext uri="{909E8E84-426E-40DD-AFC4-6F175D3DCCD1}">
+              <a14:hiddenFill xmlns:a14="http://schemas.microsoft.com/office/drawing/2010/main">
+                <a:solidFill>
+                  <a:srgbClr val="FFFFFF"/>
+                </a:solidFill>
+              </a14:hiddenFill>
+            </a:ext>
+          </a:extLst>
+        </p:spPr>
+      </p:pic>
+      <p:pic>
+        <p:nvPicPr>
+          <p:cNvPr id="9" name="Picture 2" descr="토끼에 대한 이미지 검색결과">
+            <a:extLst>
+              <a:ext uri="{FF2B5EF4-FFF2-40B4-BE49-F238E27FC236}">
+                <a16:creationId xmlns:a16="http://schemas.microsoft.com/office/drawing/2014/main" id="{07190B58-7704-4D30-A9F3-8488B056C3A9}"/>
+              </a:ext>
+            </a:extLst>
+          </p:cNvPr>
+          <p:cNvPicPr>
+            <a:picLocks noChangeAspect="1" noChangeArrowheads="1"/>
+          </p:cNvPicPr>
+          <p:nvPr/>
+        </p:nvPicPr>
+        <p:blipFill rotWithShape="1">
+          <a:blip r:embed="rId5">
+            <a:extLst>
+              <a:ext uri="{28A0092B-C50C-407E-A947-70E740481C1C}">
+                <a14:useLocalDpi xmlns:a14="http://schemas.microsoft.com/office/drawing/2010/main" val="0"/>
+              </a:ext>
+            </a:extLst>
+          </a:blip>
+          <a:srcRect l="24902" r="16345"/>
+          <a:stretch/>
+        </p:blipFill>
+        <p:spPr bwMode="auto">
+          <a:xfrm>
+            <a:off x="8107490" y="2065823"/>
+            <a:ext cx="1456822" cy="1568498"/>
+          </a:xfrm>
+          <a:prstGeom prst="rect">
+            <a:avLst/>
+          </a:prstGeom>
+          <a:noFill/>
+          <a:extLst>
+            <a:ext uri="{909E8E84-426E-40DD-AFC4-6F175D3DCCD1}">
+              <a14:hiddenFill xmlns:a14="http://schemas.microsoft.com/office/drawing/2010/main">
+                <a:solidFill>
+                  <a:srgbClr val="FFFFFF"/>
+                </a:solidFill>
+              </a14:hiddenFill>
+            </a:ext>
+          </a:extLst>
+        </p:spPr>
+      </p:pic>
+      <p:cxnSp>
+        <p:nvCxnSpPr>
+          <p:cNvPr id="11" name="직선 연결선 10">
+            <a:extLst>
+              <a:ext uri="{FF2B5EF4-FFF2-40B4-BE49-F238E27FC236}">
+                <a16:creationId xmlns:a16="http://schemas.microsoft.com/office/drawing/2014/main" id="{D8C9D43A-464F-4DBA-85E2-20C803873A8B}"/>
+              </a:ext>
+            </a:extLst>
+          </p:cNvPr>
+          <p:cNvCxnSpPr>
+            <a:cxnSpLocks/>
+          </p:cNvCxnSpPr>
+          <p:nvPr/>
+        </p:nvCxnSpPr>
+        <p:spPr>
+          <a:xfrm>
+            <a:off x="2200739" y="1485900"/>
+            <a:ext cx="4461318" cy="0"/>
+          </a:xfrm>
+          <a:prstGeom prst="line">
+            <a:avLst/>
+          </a:prstGeom>
+          <a:ln w="38100">
+            <a:solidFill>
+              <a:srgbClr val="002060"/>
+            </a:solidFill>
+          </a:ln>
+        </p:spPr>
+        <p:style>
+          <a:lnRef idx="1">
+            <a:schemeClr val="accent1"/>
+          </a:lnRef>
+          <a:fillRef idx="0">
+            <a:schemeClr val="accent1"/>
+          </a:fillRef>
+          <a:effectRef idx="0">
+            <a:schemeClr val="accent1"/>
+          </a:effectRef>
+          <a:fontRef idx="minor">
+            <a:schemeClr val="tx1"/>
+          </a:fontRef>
+        </p:style>
+      </p:cxnSp>
+      <p:cxnSp>
+        <p:nvCxnSpPr>
+          <p:cNvPr id="13" name="직선 연결선 12">
+            <a:extLst>
+              <a:ext uri="{FF2B5EF4-FFF2-40B4-BE49-F238E27FC236}">
+                <a16:creationId xmlns:a16="http://schemas.microsoft.com/office/drawing/2014/main" id="{F5E8E74F-7B0D-4201-9E86-7516A62AFDF7}"/>
+              </a:ext>
+            </a:extLst>
+          </p:cNvPr>
+          <p:cNvCxnSpPr>
+            <a:cxnSpLocks/>
+          </p:cNvCxnSpPr>
+          <p:nvPr/>
+        </p:nvCxnSpPr>
+        <p:spPr>
+          <a:xfrm>
+            <a:off x="7137411" y="1485900"/>
+            <a:ext cx="4461318" cy="0"/>
+          </a:xfrm>
+          <a:prstGeom prst="line">
+            <a:avLst/>
+          </a:prstGeom>
+          <a:ln w="38100">
+            <a:solidFill>
+              <a:srgbClr val="002060"/>
+            </a:solidFill>
+          </a:ln>
+        </p:spPr>
+        <p:style>
+          <a:lnRef idx="1">
+            <a:schemeClr val="accent1"/>
+          </a:lnRef>
+          <a:fillRef idx="0">
+            <a:schemeClr val="accent1"/>
+          </a:fillRef>
+          <a:effectRef idx="0">
+            <a:schemeClr val="accent1"/>
+          </a:effectRef>
+          <a:fontRef idx="minor">
+            <a:schemeClr val="tx1"/>
+          </a:fontRef>
+        </p:style>
+      </p:cxnSp>
+      <p:sp>
+        <p:nvSpPr>
+          <p:cNvPr id="14" name="TextBox 13">
+            <a:extLst>
+              <a:ext uri="{FF2B5EF4-FFF2-40B4-BE49-F238E27FC236}">
+                <a16:creationId xmlns:a16="http://schemas.microsoft.com/office/drawing/2014/main" id="{28BA3E03-4217-4B31-BA4C-CC39B18DC4EF}"/>
+              </a:ext>
+            </a:extLst>
+          </p:cNvPr>
+          <p:cNvSpPr txBox="1"/>
+          <p:nvPr/>
+        </p:nvSpPr>
+        <p:spPr>
+          <a:xfrm>
+            <a:off x="4134682" y="926617"/>
+            <a:ext cx="607859" cy="400110"/>
+          </a:xfrm>
+          <a:prstGeom prst="rect">
+            <a:avLst/>
+          </a:prstGeom>
+          <a:noFill/>
+        </p:spPr>
+        <p:txBody>
+          <a:bodyPr wrap="none" rtlCol="0">
+            <a:spAutoFit/>
+          </a:bodyPr>
+          <a:lstStyle/>
+          <a:p>
+            <a:r>
+              <a:rPr lang="en-US" altLang="ko-KR" sz="2000" dirty="0"/>
+              <a:t>150</a:t>
+            </a:r>
+            <a:endParaRPr lang="ko-KR" altLang="en-US" sz="2000" dirty="0"/>
+          </a:p>
+        </p:txBody>
+      </p:sp>
+      <p:sp>
+        <p:nvSpPr>
+          <p:cNvPr id="15" name="TextBox 14">
+            <a:extLst>
+              <a:ext uri="{FF2B5EF4-FFF2-40B4-BE49-F238E27FC236}">
+                <a16:creationId xmlns:a16="http://schemas.microsoft.com/office/drawing/2014/main" id="{5167DCDA-13B0-43B7-9585-231A005BF77F}"/>
+              </a:ext>
+            </a:extLst>
+          </p:cNvPr>
+          <p:cNvSpPr txBox="1"/>
+          <p:nvPr/>
+        </p:nvSpPr>
+        <p:spPr>
+          <a:xfrm>
+            <a:off x="9064140" y="875927"/>
+            <a:ext cx="607859" cy="400110"/>
+          </a:xfrm>
+          <a:prstGeom prst="rect">
+            <a:avLst/>
+          </a:prstGeom>
+          <a:noFill/>
+        </p:spPr>
+        <p:txBody>
+          <a:bodyPr wrap="none" rtlCol="0">
+            <a:spAutoFit/>
+          </a:bodyPr>
+          <a:lstStyle/>
+          <a:p>
+            <a:r>
+              <a:rPr lang="en-US" altLang="ko-KR" sz="2000" dirty="0"/>
+              <a:t>150</a:t>
+            </a:r>
+            <a:endParaRPr lang="ko-KR" altLang="en-US" sz="2000" dirty="0"/>
+          </a:p>
+        </p:txBody>
+      </p:sp>
+    </p:spTree>
+    <p:extLst>
+      <p:ext uri="{BB962C8B-B14F-4D97-AF65-F5344CB8AC3E}">
+        <p14:creationId xmlns:p14="http://schemas.microsoft.com/office/powerpoint/2010/main" val="2396682419"/>
+      </p:ext>
+    </p:extLst>
+  </p:cSld>
+  <p:clrMapOvr>
+    <a:masterClrMapping/>
+  </p:clrMapOvr>
+</p:sld>
+</file>
+
+<file path=ppt/slides/slide5.xml><?xml version="1.0" encoding="utf-8"?>
+<p:sld xmlns:a="http://schemas.openxmlformats.org/drawingml/2006/main" xmlns:r="http://schemas.openxmlformats.org/officeDocument/2006/relationships" xmlns:p="http://schemas.openxmlformats.org/presentationml/2006/main">
+  <p:cSld>
+    <p:bg>
+      <p:bgPr>
+        <a:solidFill>
+          <a:schemeClr val="bg1"/>
+        </a:solidFill>
+        <a:effectLst/>
+      </p:bgPr>
+    </p:bg>
+    <p:spTree>
+      <p:nvGrpSpPr>
+        <p:cNvPr id="1" name=""/>
+        <p:cNvGrpSpPr/>
+        <p:nvPr/>
+      </p:nvGrpSpPr>
+      <p:grpSpPr>
+        <a:xfrm>
+          <a:off x="0" y="0"/>
+          <a:ext cx="0" cy="0"/>
+          <a:chOff x="0" y="0"/>
+          <a:chExt cx="0" cy="0"/>
+        </a:xfrm>
+      </p:grpSpPr>
+      <p:pic>
+        <p:nvPicPr>
+          <p:cNvPr id="2050" name="Picture 2" descr="달토끼에 대한 이미지 검색결과">
+            <a:extLst>
+              <a:ext uri="{FF2B5EF4-FFF2-40B4-BE49-F238E27FC236}">
+                <a16:creationId xmlns:a16="http://schemas.microsoft.com/office/drawing/2014/main" id="{DBCEFD96-8E2A-4E6E-B803-48E15521FFBD}"/>
+              </a:ext>
+            </a:extLst>
+          </p:cNvPr>
+          <p:cNvPicPr>
+            <a:picLocks noChangeAspect="1" noChangeArrowheads="1"/>
+          </p:cNvPicPr>
+          <p:nvPr/>
+        </p:nvPicPr>
+        <p:blipFill>
+          <a:blip r:embed="rId2">
+            <a:extLst>
+              <a:ext uri="{28A0092B-C50C-407E-A947-70E740481C1C}">
+                <a14:useLocalDpi xmlns:a14="http://schemas.microsoft.com/office/drawing/2010/main" val="0"/>
+              </a:ext>
+            </a:extLst>
+          </a:blip>
+          <a:srcRect/>
+          <a:stretch>
+            <a:fillRect/>
+          </a:stretch>
+        </p:blipFill>
+        <p:spPr bwMode="auto">
+          <a:xfrm>
+            <a:off x="962808" y="878598"/>
+            <a:ext cx="2678463" cy="2678463"/>
+          </a:xfrm>
+          <a:prstGeom prst="rect">
+            <a:avLst/>
+          </a:prstGeom>
+          <a:noFill/>
+          <a:extLst>
+            <a:ext uri="{909E8E84-426E-40DD-AFC4-6F175D3DCCD1}">
+              <a14:hiddenFill xmlns:a14="http://schemas.microsoft.com/office/drawing/2010/main">
+                <a:solidFill>
+                  <a:srgbClr val="FFFFFF"/>
+                </a:solidFill>
+              </a14:hiddenFill>
+            </a:ext>
+          </a:extLst>
+        </p:spPr>
+      </p:pic>
+      <p:cxnSp>
+        <p:nvCxnSpPr>
+          <p:cNvPr id="71" name="Straight Connector 70">
+            <a:extLst>
+              <a:ext uri="{FF2B5EF4-FFF2-40B4-BE49-F238E27FC236}">
+                <a16:creationId xmlns:a16="http://schemas.microsoft.com/office/drawing/2014/main" id="{E12350F3-DB83-413A-980B-1CEB92498664}"/>
+              </a:ext>
+              <a:ext uri="{C183D7F6-B498-43B3-948B-1728B52AA6E4}">
+                <adec:decorative xmlns:adec="http://schemas.microsoft.com/office/drawing/2017/decorative" val="1"/>
+              </a:ext>
+            </a:extLst>
+          </p:cNvPr>
+          <p:cNvCxnSpPr>
+            <a:cxnSpLocks noGrp="1" noRot="1" noChangeAspect="1" noMove="1" noResize="1" noEditPoints="1" noAdjustHandles="1" noChangeArrowheads="1" noChangeShapeType="1"/>
+          </p:cNvCxnSpPr>
+          <p:nvPr>
+            <p:extLst>
+              <p:ext uri="{386F3935-93C4-4BCD-93E2-E3B085C9AB24}">
+                <p16:designElem xmlns:p16="http://schemas.microsoft.com/office/powerpoint/2015/main" val="1"/>
+              </p:ext>
+            </p:extLst>
+          </p:nvPr>
+        </p:nvCxnSpPr>
+        <p:spPr>
+          <a:xfrm>
+            <a:off x="8453265" y="1570814"/>
+            <a:ext cx="0" cy="3710227"/>
+          </a:xfrm>
+          <a:prstGeom prst="line">
+            <a:avLst/>
+          </a:prstGeom>
+          <a:ln w="19050"/>
+        </p:spPr>
+        <p:style>
+          <a:lnRef idx="1">
+            <a:schemeClr val="accent1"/>
+          </a:lnRef>
+          <a:fillRef idx="0">
+            <a:schemeClr val="accent1"/>
+          </a:fillRef>
+          <a:effectRef idx="0">
+            <a:schemeClr val="accent1"/>
+          </a:effectRef>
+          <a:fontRef idx="minor">
+            <a:schemeClr val="tx1"/>
+          </a:fontRef>
+        </p:style>
+      </p:cxnSp>
+      <p:graphicFrame>
+        <p:nvGraphicFramePr>
+          <p:cNvPr id="3" name="표 2">
+            <a:extLst>
+              <a:ext uri="{FF2B5EF4-FFF2-40B4-BE49-F238E27FC236}">
+                <a16:creationId xmlns:a16="http://schemas.microsoft.com/office/drawing/2014/main" id="{2186914A-E27A-4144-B4C4-6D8D89108F5A}"/>
+              </a:ext>
+            </a:extLst>
+          </p:cNvPr>
+          <p:cNvGraphicFramePr>
+            <a:graphicFrameLocks noGrp="1"/>
+          </p:cNvGraphicFramePr>
+          <p:nvPr>
+            <p:extLst>
+              <p:ext uri="{D42A27DB-BD31-4B8C-83A1-F6EECF244321}">
+                <p14:modId xmlns:p14="http://schemas.microsoft.com/office/powerpoint/2010/main" val="2464243164"/>
+              </p:ext>
+            </p:extLst>
+          </p:nvPr>
+        </p:nvGraphicFramePr>
+        <p:xfrm>
+          <a:off x="3962909" y="878598"/>
+          <a:ext cx="3156348" cy="2663723"/>
+        </p:xfrm>
+        <a:graphic>
+          <a:graphicData uri="http://schemas.openxmlformats.org/drawingml/2006/table">
+            <a:tbl>
+              <a:tblPr firstRow="1" bandRow="1">
+                <a:tableStyleId>{5C22544A-7EE6-4342-B048-85BDC9FD1C3A}</a:tableStyleId>
+              </a:tblPr>
+              <a:tblGrid>
+                <a:gridCol w="3156348">
+                  <a:extLst>
+                    <a:ext uri="{9D8B030D-6E8A-4147-A177-3AD203B41FA5}">
+                      <a16:colId xmlns:a16="http://schemas.microsoft.com/office/drawing/2014/main" val="4023059551"/>
+                    </a:ext>
+                  </a:extLst>
+                </a:gridCol>
+              </a:tblGrid>
+              <a:tr h="491777">
+                <a:tc>
+                  <a:txBody>
+                    <a:bodyPr/>
+                    <a:lstStyle/>
+                    <a:p>
+                      <a:pPr algn="ctr" latinLnBrk="1"/>
+                      <a:r>
+                        <a:rPr lang="ko-KR" altLang="en-US" dirty="0"/>
+                        <a:t>달</a:t>
+                      </a:r>
+                      <a:r>
+                        <a:rPr lang="en-US" altLang="ko-KR" dirty="0"/>
+                        <a:t>? </a:t>
+                      </a:r>
+                      <a:r>
+                        <a:rPr lang="ko-KR" altLang="en-US" dirty="0"/>
+                        <a:t>토끼</a:t>
+                      </a:r>
+                      <a:r>
+                        <a:rPr lang="en-US" altLang="ko-KR" dirty="0"/>
+                        <a:t>?</a:t>
+                      </a:r>
+                      <a:endParaRPr lang="ko-KR" altLang="en-US" dirty="0"/>
+                    </a:p>
+                  </a:txBody>
+                  <a:tcPr anchor="ctr"/>
+                </a:tc>
+                <a:extLst>
+                  <a:ext uri="{0D108BD9-81ED-4DB2-BD59-A6C34878D82A}">
+                    <a16:rowId xmlns:a16="http://schemas.microsoft.com/office/drawing/2014/main" val="1812247469"/>
+                  </a:ext>
+                </a:extLst>
+              </a:tr>
+              <a:tr h="801079">
+                <a:tc>
+                  <a:txBody>
+                    <a:bodyPr/>
+                    <a:lstStyle/>
+                    <a:p>
+                      <a:pPr algn="ctr" latinLnBrk="1"/>
+                      <a:r>
+                        <a:rPr lang="ko-KR" altLang="en-US" dirty="0"/>
+                        <a:t>데이터가 겹치는 깔끔하지 않은 부분</a:t>
+                      </a:r>
+                      <a:endParaRPr lang="en-US" altLang="ko-KR" dirty="0"/>
+                    </a:p>
+                    <a:p>
+                      <a:pPr algn="ctr" latinLnBrk="1"/>
+                      <a:endParaRPr lang="en-US" altLang="ko-KR" dirty="0"/>
+                    </a:p>
+                  </a:txBody>
+                  <a:tcPr anchor="ctr"/>
+                </a:tc>
+                <a:extLst>
+                  <a:ext uri="{0D108BD9-81ED-4DB2-BD59-A6C34878D82A}">
+                    <a16:rowId xmlns:a16="http://schemas.microsoft.com/office/drawing/2014/main" val="497198026"/>
+                  </a:ext>
+                </a:extLst>
+              </a:tr>
+              <a:tr h="1257546">
+                <a:tc>
+                  <a:txBody>
+                    <a:bodyPr/>
+                    <a:lstStyle/>
+                    <a:p>
+                      <a:pPr algn="ctr" latinLnBrk="1"/>
+                      <a:r>
+                        <a:rPr lang="en-US" altLang="ko-KR" dirty="0"/>
+                        <a:t>0.3</a:t>
+                      </a:r>
+                      <a:r>
+                        <a:rPr lang="ko-KR" altLang="en-US" dirty="0"/>
+                        <a:t>의 비율로</a:t>
+                      </a:r>
+                      <a:endParaRPr lang="en-US" altLang="ko-KR" dirty="0"/>
+                    </a:p>
+                    <a:p>
+                      <a:pPr algn="ctr" latinLnBrk="1"/>
+                      <a:r>
+                        <a:rPr lang="en-US" altLang="ko-KR" dirty="0"/>
+                        <a:t>(</a:t>
+                      </a:r>
+                      <a:r>
+                        <a:rPr lang="ko-KR" altLang="en-US" dirty="0"/>
+                        <a:t>전체 데이터 </a:t>
+                      </a:r>
+                      <a:r>
+                        <a:rPr lang="en-US" altLang="ko-KR" dirty="0"/>
+                        <a:t>300</a:t>
+                      </a:r>
+                      <a:r>
+                        <a:rPr lang="ko-KR" altLang="en-US" dirty="0"/>
+                        <a:t>개 중 </a:t>
+                      </a:r>
+                      <a:r>
+                        <a:rPr lang="en-US" altLang="ko-KR" dirty="0"/>
+                        <a:t>90</a:t>
+                      </a:r>
+                      <a:r>
+                        <a:rPr lang="ko-KR" altLang="en-US" dirty="0"/>
+                        <a:t>개</a:t>
+                      </a:r>
+                      <a:r>
+                        <a:rPr lang="en-US" altLang="ko-KR" dirty="0"/>
+                        <a:t>)</a:t>
+                      </a:r>
+                    </a:p>
+                  </a:txBody>
+                  <a:tcPr anchor="ctr"/>
+                </a:tc>
+                <a:extLst>
+                  <a:ext uri="{0D108BD9-81ED-4DB2-BD59-A6C34878D82A}">
+                    <a16:rowId xmlns:a16="http://schemas.microsoft.com/office/drawing/2014/main" val="2800264082"/>
+                  </a:ext>
+                </a:extLst>
+              </a:tr>
+            </a:tbl>
+          </a:graphicData>
+        </a:graphic>
+      </p:graphicFrame>
+    </p:spTree>
+    <p:extLst>
+      <p:ext uri="{BB962C8B-B14F-4D97-AF65-F5344CB8AC3E}">
+        <p14:creationId xmlns:p14="http://schemas.microsoft.com/office/powerpoint/2010/main" val="3094698979"/>
+      </p:ext>
+    </p:extLst>
+  </p:cSld>
+  <p:clrMapOvr>
+    <a:masterClrMapping/>
+  </p:clrMapOvr>
+</p:sld>
+</file>
+
+<file path=ppt/slides/slide6.xml><?xml version="1.0" encoding="utf-8"?>
+<p:sld xmlns:a="http://schemas.openxmlformats.org/drawingml/2006/main" xmlns:r="http://schemas.openxmlformats.org/officeDocument/2006/relationships" xmlns:p="http://schemas.openxmlformats.org/presentationml/2006/main">
+  <p:cSld>
+    <p:spTree>
+      <p:nvGrpSpPr>
+        <p:cNvPr id="1" name=""/>
+        <p:cNvGrpSpPr/>
+        <p:nvPr/>
+      </p:nvGrpSpPr>
+      <p:grpSpPr>
+        <a:xfrm>
+          <a:off x="0" y="0"/>
+          <a:ext cx="0" cy="0"/>
+          <a:chOff x="0" y="0"/>
+          <a:chExt cx="0" cy="0"/>
+        </a:xfrm>
+      </p:grpSpPr>
+      <p:graphicFrame>
+        <p:nvGraphicFramePr>
+          <p:cNvPr id="2" name="표 1">
+            <a:extLst>
+              <a:ext uri="{FF2B5EF4-FFF2-40B4-BE49-F238E27FC236}">
+                <a16:creationId xmlns:a16="http://schemas.microsoft.com/office/drawing/2014/main" id="{10632D13-DCA1-464C-BA7C-B078D3A78C11}"/>
+              </a:ext>
+            </a:extLst>
+          </p:cNvPr>
+          <p:cNvGraphicFramePr>
+            <a:graphicFrameLocks noGrp="1"/>
+          </p:cNvGraphicFramePr>
+          <p:nvPr>
+            <p:extLst>
+              <p:ext uri="{D42A27DB-BD31-4B8C-83A1-F6EECF244321}">
+                <p14:modId xmlns:p14="http://schemas.microsoft.com/office/powerpoint/2010/main" val="4156773193"/>
+              </p:ext>
+            </p:extLst>
+          </p:nvPr>
+        </p:nvGraphicFramePr>
+        <p:xfrm>
+          <a:off x="2129971" y="1519766"/>
+          <a:ext cx="3650346" cy="700920"/>
+        </p:xfrm>
+        <a:graphic>
+          <a:graphicData uri="http://schemas.openxmlformats.org/drawingml/2006/table">
+            <a:tbl>
+              <a:tblPr firstRow="1" bandRow="1">
+                <a:tableStyleId>{5C22544A-7EE6-4342-B048-85BDC9FD1C3A}</a:tableStyleId>
+              </a:tblPr>
+              <a:tblGrid>
+                <a:gridCol w="521478">
+                  <a:extLst>
+                    <a:ext uri="{9D8B030D-6E8A-4147-A177-3AD203B41FA5}">
+                      <a16:colId xmlns:a16="http://schemas.microsoft.com/office/drawing/2014/main" val="2255628723"/>
+                    </a:ext>
+                  </a:extLst>
+                </a:gridCol>
+                <a:gridCol w="521478">
+                  <a:extLst>
+                    <a:ext uri="{9D8B030D-6E8A-4147-A177-3AD203B41FA5}">
+                      <a16:colId xmlns:a16="http://schemas.microsoft.com/office/drawing/2014/main" val="2964538935"/>
+                    </a:ext>
+                  </a:extLst>
+                </a:gridCol>
+                <a:gridCol w="521478">
+                  <a:extLst>
+                    <a:ext uri="{9D8B030D-6E8A-4147-A177-3AD203B41FA5}">
+                      <a16:colId xmlns:a16="http://schemas.microsoft.com/office/drawing/2014/main" val="2560141779"/>
+                    </a:ext>
+                  </a:extLst>
+                </a:gridCol>
+                <a:gridCol w="521478">
+                  <a:extLst>
+                    <a:ext uri="{9D8B030D-6E8A-4147-A177-3AD203B41FA5}">
+                      <a16:colId xmlns:a16="http://schemas.microsoft.com/office/drawing/2014/main" val="3803244332"/>
+                    </a:ext>
+                  </a:extLst>
+                </a:gridCol>
+                <a:gridCol w="521478">
+                  <a:extLst>
+                    <a:ext uri="{9D8B030D-6E8A-4147-A177-3AD203B41FA5}">
+                      <a16:colId xmlns:a16="http://schemas.microsoft.com/office/drawing/2014/main" val="2299948139"/>
+                    </a:ext>
+                  </a:extLst>
+                </a:gridCol>
+                <a:gridCol w="521478">
+                  <a:extLst>
+                    <a:ext uri="{9D8B030D-6E8A-4147-A177-3AD203B41FA5}">
+                      <a16:colId xmlns:a16="http://schemas.microsoft.com/office/drawing/2014/main" val="2105127377"/>
+                    </a:ext>
+                  </a:extLst>
+                </a:gridCol>
+                <a:gridCol w="521478">
+                  <a:extLst>
+                    <a:ext uri="{9D8B030D-6E8A-4147-A177-3AD203B41FA5}">
+                      <a16:colId xmlns:a16="http://schemas.microsoft.com/office/drawing/2014/main" val="3386989661"/>
+                    </a:ext>
+                  </a:extLst>
+                </a:gridCol>
+              </a:tblGrid>
+              <a:tr h="700920">
+                <a:tc>
+                  <a:txBody>
+                    <a:bodyPr/>
+                    <a:lstStyle/>
+                    <a:p>
+                      <a:pPr algn="ctr" latinLnBrk="1"/>
+                      <a:r>
+                        <a:rPr lang="en-US" altLang="ko-KR" dirty="0"/>
+                        <a:t>1</a:t>
+                      </a:r>
+                      <a:endParaRPr lang="ko-KR" altLang="en-US" dirty="0"/>
+                    </a:p>
+                  </a:txBody>
+                  <a:tcPr anchor="ctr"/>
+                </a:tc>
+                <a:tc>
+                  <a:txBody>
+                    <a:bodyPr/>
+                    <a:lstStyle/>
+                    <a:p>
+                      <a:pPr algn="ctr" latinLnBrk="1"/>
+                      <a:r>
+                        <a:rPr lang="en-US" altLang="ko-KR" dirty="0"/>
+                        <a:t>1</a:t>
+                      </a:r>
+                      <a:endParaRPr lang="ko-KR" altLang="en-US" dirty="0"/>
+                    </a:p>
+                  </a:txBody>
+                  <a:tcPr anchor="ctr"/>
+                </a:tc>
+                <a:tc>
+                  <a:txBody>
+                    <a:bodyPr/>
+                    <a:lstStyle/>
+                    <a:p>
+                      <a:pPr algn="ctr" latinLnBrk="1"/>
+                      <a:r>
+                        <a:rPr lang="en-US" altLang="ko-KR" dirty="0"/>
+                        <a:t>0</a:t>
+                      </a:r>
+                      <a:endParaRPr lang="ko-KR" altLang="en-US" dirty="0"/>
+                    </a:p>
+                  </a:txBody>
+                  <a:tcPr anchor="ctr"/>
+                </a:tc>
+                <a:tc>
+                  <a:txBody>
+                    <a:bodyPr/>
+                    <a:lstStyle/>
+                    <a:p>
+                      <a:pPr algn="ctr" latinLnBrk="1"/>
+                      <a:r>
+                        <a:rPr lang="en-US" altLang="ko-KR" dirty="0"/>
+                        <a:t>…</a:t>
+                      </a:r>
+                      <a:endParaRPr lang="ko-KR" altLang="en-US" dirty="0"/>
+                    </a:p>
+                  </a:txBody>
+                  <a:tcPr anchor="ctr"/>
+                </a:tc>
+                <a:tc>
+                  <a:txBody>
+                    <a:bodyPr/>
+                    <a:lstStyle/>
+                    <a:p>
+                      <a:pPr algn="ctr" latinLnBrk="1"/>
+                      <a:r>
+                        <a:rPr lang="en-US" altLang="ko-KR" dirty="0"/>
+                        <a:t>1</a:t>
+                      </a:r>
+                      <a:endParaRPr lang="ko-KR" altLang="en-US" dirty="0"/>
+                    </a:p>
+                  </a:txBody>
+                  <a:tcPr anchor="ctr"/>
+                </a:tc>
+                <a:tc>
+                  <a:txBody>
+                    <a:bodyPr/>
+                    <a:lstStyle/>
+                    <a:p>
+                      <a:pPr algn="ctr" latinLnBrk="1"/>
+                      <a:r>
+                        <a:rPr lang="en-US" altLang="ko-KR" dirty="0"/>
+                        <a:t>0</a:t>
+                      </a:r>
+                      <a:endParaRPr lang="ko-KR" altLang="en-US" dirty="0"/>
+                    </a:p>
+                  </a:txBody>
+                  <a:tcPr anchor="ctr"/>
+                </a:tc>
+                <a:tc>
+                  <a:txBody>
+                    <a:bodyPr/>
+                    <a:lstStyle/>
+                    <a:p>
+                      <a:pPr algn="ctr" latinLnBrk="1"/>
+                      <a:r>
+                        <a:rPr lang="en-US" altLang="ko-KR" dirty="0"/>
+                        <a:t>1</a:t>
+                      </a:r>
+                      <a:endParaRPr lang="ko-KR" altLang="en-US" dirty="0"/>
+                    </a:p>
+                  </a:txBody>
+                  <a:tcPr anchor="ctr"/>
+                </a:tc>
+                <a:extLst>
+                  <a:ext uri="{0D108BD9-81ED-4DB2-BD59-A6C34878D82A}">
+                    <a16:rowId xmlns:a16="http://schemas.microsoft.com/office/drawing/2014/main" val="393171146"/>
+                  </a:ext>
+                </a:extLst>
+              </a:tr>
+            </a:tbl>
+          </a:graphicData>
+        </a:graphic>
+      </p:graphicFrame>
+      <p:sp>
+        <p:nvSpPr>
+          <p:cNvPr id="4" name="TextBox 3">
+            <a:extLst>
+              <a:ext uri="{FF2B5EF4-FFF2-40B4-BE49-F238E27FC236}">
+                <a16:creationId xmlns:a16="http://schemas.microsoft.com/office/drawing/2014/main" id="{B3196F62-7EE3-42AF-A050-9A0155562BB7}"/>
+              </a:ext>
+            </a:extLst>
+          </p:cNvPr>
+          <p:cNvSpPr txBox="1"/>
+          <p:nvPr/>
+        </p:nvSpPr>
+        <p:spPr>
+          <a:xfrm>
+            <a:off x="1371600" y="1649186"/>
+            <a:ext cx="298480" cy="369332"/>
+          </a:xfrm>
+          <a:prstGeom prst="rect">
+            <a:avLst/>
+          </a:prstGeom>
+          <a:noFill/>
+        </p:spPr>
+        <p:txBody>
+          <a:bodyPr wrap="none" rtlCol="0">
+            <a:spAutoFit/>
+          </a:bodyPr>
+          <a:lstStyle/>
+          <a:p>
+            <a:r>
+              <a:rPr lang="en-US" altLang="ko-KR" dirty="0"/>
+              <a:t>y</a:t>
+            </a:r>
+            <a:endParaRPr lang="ko-KR" altLang="en-US" dirty="0"/>
+          </a:p>
+        </p:txBody>
+      </p:sp>
+      <p:sp>
+        <p:nvSpPr>
+          <p:cNvPr id="7" name="TextBox 6">
+            <a:extLst>
+              <a:ext uri="{FF2B5EF4-FFF2-40B4-BE49-F238E27FC236}">
+                <a16:creationId xmlns:a16="http://schemas.microsoft.com/office/drawing/2014/main" id="{3E5E0A35-8DE1-4EB8-8564-457C966F43FD}"/>
+              </a:ext>
+            </a:extLst>
+          </p:cNvPr>
+          <p:cNvSpPr txBox="1"/>
+          <p:nvPr/>
+        </p:nvSpPr>
+        <p:spPr>
+          <a:xfrm>
+            <a:off x="6743446" y="1649186"/>
+            <a:ext cx="314510" cy="369332"/>
+          </a:xfrm>
+          <a:prstGeom prst="rect">
+            <a:avLst/>
+          </a:prstGeom>
+          <a:noFill/>
+        </p:spPr>
+        <p:txBody>
+          <a:bodyPr wrap="none" rtlCol="0">
+            <a:spAutoFit/>
+          </a:bodyPr>
+          <a:lstStyle/>
+          <a:p>
+            <a:r>
+              <a:rPr lang="en-US" altLang="ko-KR" dirty="0"/>
+              <a:t>Y</a:t>
+            </a:r>
+            <a:endParaRPr lang="ko-KR" altLang="en-US" dirty="0"/>
+          </a:p>
+        </p:txBody>
+      </p:sp>
+      <p:graphicFrame>
+        <p:nvGraphicFramePr>
+          <p:cNvPr id="5" name="표 4">
+            <a:extLst>
+              <a:ext uri="{FF2B5EF4-FFF2-40B4-BE49-F238E27FC236}">
+                <a16:creationId xmlns:a16="http://schemas.microsoft.com/office/drawing/2014/main" id="{04708222-0F80-4234-A40E-E32D65486382}"/>
+              </a:ext>
+            </a:extLst>
+          </p:cNvPr>
+          <p:cNvGraphicFramePr>
+            <a:graphicFrameLocks noGrp="1"/>
+          </p:cNvGraphicFramePr>
+          <p:nvPr>
+            <p:extLst>
+              <p:ext uri="{D42A27DB-BD31-4B8C-83A1-F6EECF244321}">
+                <p14:modId xmlns:p14="http://schemas.microsoft.com/office/powerpoint/2010/main" val="2780772245"/>
+              </p:ext>
+            </p:extLst>
+          </p:nvPr>
+        </p:nvGraphicFramePr>
+        <p:xfrm>
+          <a:off x="7270367" y="833120"/>
+          <a:ext cx="610441" cy="2595880"/>
+        </p:xfrm>
+        <a:graphic>
+          <a:graphicData uri="http://schemas.openxmlformats.org/drawingml/2006/table">
+            <a:tbl>
+              <a:tblPr firstRow="1" bandRow="1">
+                <a:tableStyleId>{5C22544A-7EE6-4342-B048-85BDC9FD1C3A}</a:tableStyleId>
+              </a:tblPr>
+              <a:tblGrid>
+                <a:gridCol w="610441">
+                  <a:extLst>
+                    <a:ext uri="{9D8B030D-6E8A-4147-A177-3AD203B41FA5}">
+                      <a16:colId xmlns:a16="http://schemas.microsoft.com/office/drawing/2014/main" val="3919729322"/>
+                    </a:ext>
+                  </a:extLst>
+                </a:gridCol>
+              </a:tblGrid>
+              <a:tr h="370840">
+                <a:tc>
+                  <a:txBody>
+                    <a:bodyPr/>
+                    <a:lstStyle/>
+                    <a:p>
+                      <a:pPr algn="ctr" latinLnBrk="1"/>
+                      <a:r>
+                        <a:rPr lang="en-US" altLang="ko-KR" dirty="0">
+                          <a:solidFill>
+                            <a:schemeClr val="bg1"/>
+                          </a:solidFill>
+                        </a:rPr>
+                        <a:t>1</a:t>
+                      </a:r>
+                      <a:endParaRPr lang="ko-KR" altLang="en-US" dirty="0">
+                        <a:solidFill>
+                          <a:schemeClr val="bg1"/>
+                        </a:solidFill>
+                      </a:endParaRPr>
+                    </a:p>
+                  </a:txBody>
+                  <a:tcPr anchor="ctr">
+                    <a:lnL w="12700" cap="flat" cmpd="sng" algn="ctr">
+                      <a:solidFill>
+                        <a:schemeClr val="bg1"/>
+                      </a:solidFill>
+                      <a:prstDash val="solid"/>
+                      <a:round/>
+                      <a:headEnd type="none" w="med" len="med"/>
+                      <a:tailEnd type="none" w="med" len="med"/>
+                    </a:lnL>
+                    <a:lnR w="12700" cap="flat" cmpd="sng" algn="ctr">
+                      <a:solidFill>
+                        <a:schemeClr val="bg1"/>
+                      </a:solidFill>
+                      <a:prstDash val="solid"/>
+                      <a:round/>
+                      <a:headEnd type="none" w="med" len="med"/>
+                      <a:tailEnd type="none" w="med" len="med"/>
+                    </a:lnR>
+                    <a:lnT w="12700" cap="flat" cmpd="sng" algn="ctr">
+                      <a:solidFill>
+                        <a:schemeClr val="bg1"/>
+                      </a:solidFill>
+                      <a:prstDash val="solid"/>
+                      <a:round/>
+                      <a:headEnd type="none" w="med" len="med"/>
+                      <a:tailEnd type="none" w="med" len="med"/>
+                    </a:lnT>
+                    <a:lnB w="12700" cap="flat" cmpd="sng" algn="ctr">
+                      <a:solidFill>
+                        <a:schemeClr val="bg1"/>
+                      </a:solidFill>
+                      <a:prstDash val="solid"/>
+                      <a:round/>
+                      <a:headEnd type="none" w="med" len="med"/>
+                      <a:tailEnd type="none" w="med" len="med"/>
+                    </a:lnB>
+                    <a:solidFill>
+                      <a:srgbClr val="4472C4"/>
+                    </a:solidFill>
+                  </a:tcPr>
+                </a:tc>
+                <a:extLst>
+                  <a:ext uri="{0D108BD9-81ED-4DB2-BD59-A6C34878D82A}">
+                    <a16:rowId xmlns:a16="http://schemas.microsoft.com/office/drawing/2014/main" val="1028897663"/>
+                  </a:ext>
+                </a:extLst>
+              </a:tr>
+              <a:tr h="370840">
+                <a:tc>
+                  <a:txBody>
+                    <a:bodyPr/>
+                    <a:lstStyle/>
+                    <a:p>
+                      <a:pPr algn="ctr" latinLnBrk="1"/>
+                      <a:r>
+                        <a:rPr lang="en-US" altLang="ko-KR" b="1" dirty="0">
+                          <a:solidFill>
+                            <a:schemeClr val="bg1"/>
+                          </a:solidFill>
+                        </a:rPr>
+                        <a:t>1</a:t>
+                      </a:r>
+                      <a:endParaRPr lang="ko-KR" altLang="en-US" b="1" dirty="0">
+                        <a:solidFill>
+                          <a:schemeClr val="bg1"/>
+                        </a:solidFill>
+                      </a:endParaRPr>
+                    </a:p>
+                  </a:txBody>
+                  <a:tcPr anchor="ctr">
+                    <a:lnL w="12700" cap="flat" cmpd="sng" algn="ctr">
+                      <a:solidFill>
+                        <a:schemeClr val="bg1"/>
+                      </a:solidFill>
+                      <a:prstDash val="solid"/>
+                      <a:round/>
+                      <a:headEnd type="none" w="med" len="med"/>
+                      <a:tailEnd type="none" w="med" len="med"/>
+                    </a:lnL>
+                    <a:lnR w="12700" cap="flat" cmpd="sng" algn="ctr">
+                      <a:solidFill>
+                        <a:schemeClr val="bg1"/>
+                      </a:solidFill>
+                      <a:prstDash val="solid"/>
+                      <a:round/>
+                      <a:headEnd type="none" w="med" len="med"/>
+                      <a:tailEnd type="none" w="med" len="med"/>
+                    </a:lnR>
+                    <a:lnT w="12700" cap="flat" cmpd="sng" algn="ctr">
+                      <a:solidFill>
+                        <a:schemeClr val="bg1"/>
+                      </a:solidFill>
+                      <a:prstDash val="solid"/>
+                      <a:round/>
+                      <a:headEnd type="none" w="med" len="med"/>
+                      <a:tailEnd type="none" w="med" len="med"/>
+                    </a:lnT>
+                    <a:lnB w="12700" cap="flat" cmpd="sng" algn="ctr">
+                      <a:solidFill>
+                        <a:schemeClr val="bg1"/>
+                      </a:solidFill>
+                      <a:prstDash val="solid"/>
+                      <a:round/>
+                      <a:headEnd type="none" w="med" len="med"/>
+                      <a:tailEnd type="none" w="med" len="med"/>
+                    </a:lnB>
+                    <a:solidFill>
+                      <a:srgbClr val="4472C4"/>
+                    </a:solidFill>
+                  </a:tcPr>
+                </a:tc>
+                <a:extLst>
+                  <a:ext uri="{0D108BD9-81ED-4DB2-BD59-A6C34878D82A}">
+                    <a16:rowId xmlns:a16="http://schemas.microsoft.com/office/drawing/2014/main" val="1065138203"/>
+                  </a:ext>
+                </a:extLst>
+              </a:tr>
+              <a:tr h="370840">
+                <a:tc>
+                  <a:txBody>
+                    <a:bodyPr/>
+                    <a:lstStyle/>
+                    <a:p>
+                      <a:pPr algn="ctr" latinLnBrk="1"/>
+                      <a:r>
+                        <a:rPr lang="en-US" altLang="ko-KR" b="1" dirty="0">
+                          <a:solidFill>
+                            <a:schemeClr val="bg1"/>
+                          </a:solidFill>
+                        </a:rPr>
+                        <a:t>0</a:t>
+                      </a:r>
+                      <a:endParaRPr lang="ko-KR" altLang="en-US" b="1" dirty="0">
+                        <a:solidFill>
+                          <a:schemeClr val="bg1"/>
+                        </a:solidFill>
+                      </a:endParaRPr>
+                    </a:p>
+                  </a:txBody>
+                  <a:tcPr anchor="ctr">
+                    <a:lnL w="12700" cap="flat" cmpd="sng" algn="ctr">
+                      <a:solidFill>
+                        <a:schemeClr val="bg1"/>
+                      </a:solidFill>
+                      <a:prstDash val="solid"/>
+                      <a:round/>
+                      <a:headEnd type="none" w="med" len="med"/>
+                      <a:tailEnd type="none" w="med" len="med"/>
+                    </a:lnL>
+                    <a:lnR w="12700" cap="flat" cmpd="sng" algn="ctr">
+                      <a:solidFill>
+                        <a:schemeClr val="bg1"/>
+                      </a:solidFill>
+                      <a:prstDash val="solid"/>
+                      <a:round/>
+                      <a:headEnd type="none" w="med" len="med"/>
+                      <a:tailEnd type="none" w="med" len="med"/>
+                    </a:lnR>
+                    <a:lnT w="12700" cap="flat" cmpd="sng" algn="ctr">
+                      <a:solidFill>
+                        <a:schemeClr val="bg1"/>
+                      </a:solidFill>
+                      <a:prstDash val="solid"/>
+                      <a:round/>
+                      <a:headEnd type="none" w="med" len="med"/>
+                      <a:tailEnd type="none" w="med" len="med"/>
+                    </a:lnT>
+                    <a:lnB w="12700" cap="flat" cmpd="sng" algn="ctr">
+                      <a:solidFill>
+                        <a:schemeClr val="bg1"/>
+                      </a:solidFill>
+                      <a:prstDash val="solid"/>
+                      <a:round/>
+                      <a:headEnd type="none" w="med" len="med"/>
+                      <a:tailEnd type="none" w="med" len="med"/>
+                    </a:lnB>
+                    <a:solidFill>
+                      <a:srgbClr val="4472C4"/>
+                    </a:solidFill>
+                  </a:tcPr>
+                </a:tc>
+                <a:extLst>
+                  <a:ext uri="{0D108BD9-81ED-4DB2-BD59-A6C34878D82A}">
+                    <a16:rowId xmlns:a16="http://schemas.microsoft.com/office/drawing/2014/main" val="2881494346"/>
+                  </a:ext>
+                </a:extLst>
+              </a:tr>
+              <a:tr h="370840">
+                <a:tc>
+                  <a:txBody>
+                    <a:bodyPr/>
+                    <a:lstStyle/>
+                    <a:p>
+                      <a:pPr algn="ctr" latinLnBrk="1"/>
+                      <a:r>
+                        <a:rPr lang="en-US" altLang="ko-KR" b="1" dirty="0">
+                          <a:solidFill>
+                            <a:schemeClr val="bg1"/>
+                          </a:solidFill>
+                        </a:rPr>
+                        <a:t>…</a:t>
+                      </a:r>
+                      <a:endParaRPr lang="ko-KR" altLang="en-US" b="1" dirty="0">
+                        <a:solidFill>
+                          <a:schemeClr val="bg1"/>
+                        </a:solidFill>
+                      </a:endParaRPr>
+                    </a:p>
+                  </a:txBody>
+                  <a:tcPr anchor="ctr">
+                    <a:lnL w="12700" cap="flat" cmpd="sng" algn="ctr">
+                      <a:solidFill>
+                        <a:schemeClr val="bg1"/>
+                      </a:solidFill>
+                      <a:prstDash val="solid"/>
+                      <a:round/>
+                      <a:headEnd type="none" w="med" len="med"/>
+                      <a:tailEnd type="none" w="med" len="med"/>
+                    </a:lnL>
+                    <a:lnR w="12700" cap="flat" cmpd="sng" algn="ctr">
+                      <a:solidFill>
+                        <a:schemeClr val="bg1"/>
+                      </a:solidFill>
+                      <a:prstDash val="solid"/>
+                      <a:round/>
+                      <a:headEnd type="none" w="med" len="med"/>
+                      <a:tailEnd type="none" w="med" len="med"/>
+                    </a:lnR>
+                    <a:lnT w="12700" cap="flat" cmpd="sng" algn="ctr">
+                      <a:solidFill>
+                        <a:schemeClr val="bg1"/>
+                      </a:solidFill>
+                      <a:prstDash val="solid"/>
+                      <a:round/>
+                      <a:headEnd type="none" w="med" len="med"/>
+                      <a:tailEnd type="none" w="med" len="med"/>
+                    </a:lnT>
+                    <a:lnB w="12700" cap="flat" cmpd="sng" algn="ctr">
+                      <a:solidFill>
+                        <a:schemeClr val="bg1"/>
+                      </a:solidFill>
+                      <a:prstDash val="solid"/>
+                      <a:round/>
+                      <a:headEnd type="none" w="med" len="med"/>
+                      <a:tailEnd type="none" w="med" len="med"/>
+                    </a:lnB>
+                    <a:solidFill>
+                      <a:srgbClr val="4472C4"/>
+                    </a:solidFill>
+                  </a:tcPr>
+                </a:tc>
+                <a:extLst>
+                  <a:ext uri="{0D108BD9-81ED-4DB2-BD59-A6C34878D82A}">
+                    <a16:rowId xmlns:a16="http://schemas.microsoft.com/office/drawing/2014/main" val="3062581625"/>
+                  </a:ext>
+                </a:extLst>
+              </a:tr>
+              <a:tr h="370840">
+                <a:tc>
+                  <a:txBody>
+                    <a:bodyPr/>
+                    <a:lstStyle/>
+                    <a:p>
+                      <a:pPr algn="ctr" latinLnBrk="1"/>
+                      <a:r>
+                        <a:rPr lang="en-US" altLang="ko-KR" b="1" dirty="0">
+                          <a:solidFill>
+                            <a:schemeClr val="bg1"/>
+                          </a:solidFill>
+                        </a:rPr>
+                        <a:t>1</a:t>
+                      </a:r>
+                      <a:endParaRPr lang="ko-KR" altLang="en-US" b="1" dirty="0">
+                        <a:solidFill>
+                          <a:schemeClr val="bg1"/>
+                        </a:solidFill>
+                      </a:endParaRPr>
+                    </a:p>
+                  </a:txBody>
+                  <a:tcPr anchor="ctr">
+                    <a:lnL w="12700" cap="flat" cmpd="sng" algn="ctr">
+                      <a:solidFill>
+                        <a:schemeClr val="bg1"/>
+                      </a:solidFill>
+                      <a:prstDash val="solid"/>
+                      <a:round/>
+                      <a:headEnd type="none" w="med" len="med"/>
+                      <a:tailEnd type="none" w="med" len="med"/>
+                    </a:lnL>
+                    <a:lnR w="12700" cap="flat" cmpd="sng" algn="ctr">
+                      <a:solidFill>
+                        <a:schemeClr val="bg1"/>
+                      </a:solidFill>
+                      <a:prstDash val="solid"/>
+                      <a:round/>
+                      <a:headEnd type="none" w="med" len="med"/>
+                      <a:tailEnd type="none" w="med" len="med"/>
+                    </a:lnR>
+                    <a:lnT w="12700" cap="flat" cmpd="sng" algn="ctr">
+                      <a:solidFill>
+                        <a:schemeClr val="bg1"/>
+                      </a:solidFill>
+                      <a:prstDash val="solid"/>
+                      <a:round/>
+                      <a:headEnd type="none" w="med" len="med"/>
+                      <a:tailEnd type="none" w="med" len="med"/>
+                    </a:lnT>
+                    <a:lnB w="12700" cap="flat" cmpd="sng" algn="ctr">
+                      <a:solidFill>
+                        <a:schemeClr val="bg1"/>
+                      </a:solidFill>
+                      <a:prstDash val="solid"/>
+                      <a:round/>
+                      <a:headEnd type="none" w="med" len="med"/>
+                      <a:tailEnd type="none" w="med" len="med"/>
+                    </a:lnB>
+                    <a:solidFill>
+                      <a:srgbClr val="4472C4"/>
+                    </a:solidFill>
+                  </a:tcPr>
+                </a:tc>
+                <a:extLst>
+                  <a:ext uri="{0D108BD9-81ED-4DB2-BD59-A6C34878D82A}">
+                    <a16:rowId xmlns:a16="http://schemas.microsoft.com/office/drawing/2014/main" val="1287285403"/>
+                  </a:ext>
+                </a:extLst>
+              </a:tr>
+              <a:tr h="370840">
+                <a:tc>
+                  <a:txBody>
+                    <a:bodyPr/>
+                    <a:lstStyle/>
+                    <a:p>
+                      <a:pPr algn="ctr" latinLnBrk="1"/>
+                      <a:r>
+                        <a:rPr lang="en-US" altLang="ko-KR" b="1" dirty="0">
+                          <a:solidFill>
+                            <a:schemeClr val="bg1"/>
+                          </a:solidFill>
+                        </a:rPr>
+                        <a:t>0</a:t>
+                      </a:r>
+                      <a:endParaRPr lang="ko-KR" altLang="en-US" b="1" dirty="0">
+                        <a:solidFill>
+                          <a:schemeClr val="bg1"/>
+                        </a:solidFill>
+                      </a:endParaRPr>
+                    </a:p>
+                  </a:txBody>
+                  <a:tcPr anchor="ctr">
+                    <a:lnL w="12700" cap="flat" cmpd="sng" algn="ctr">
+                      <a:solidFill>
+                        <a:schemeClr val="bg1"/>
+                      </a:solidFill>
+                      <a:prstDash val="solid"/>
+                      <a:round/>
+                      <a:headEnd type="none" w="med" len="med"/>
+                      <a:tailEnd type="none" w="med" len="med"/>
+                    </a:lnL>
+                    <a:lnR w="12700" cap="flat" cmpd="sng" algn="ctr">
+                      <a:solidFill>
+                        <a:schemeClr val="bg1"/>
+                      </a:solidFill>
+                      <a:prstDash val="solid"/>
+                      <a:round/>
+                      <a:headEnd type="none" w="med" len="med"/>
+                      <a:tailEnd type="none" w="med" len="med"/>
+                    </a:lnR>
+                    <a:lnT w="12700" cap="flat" cmpd="sng" algn="ctr">
+                      <a:solidFill>
+                        <a:schemeClr val="bg1"/>
+                      </a:solidFill>
+                      <a:prstDash val="solid"/>
+                      <a:round/>
+                      <a:headEnd type="none" w="med" len="med"/>
+                      <a:tailEnd type="none" w="med" len="med"/>
+                    </a:lnT>
+                    <a:lnB w="12700" cap="flat" cmpd="sng" algn="ctr">
+                      <a:solidFill>
+                        <a:schemeClr val="bg1"/>
+                      </a:solidFill>
+                      <a:prstDash val="solid"/>
+                      <a:round/>
+                      <a:headEnd type="none" w="med" len="med"/>
+                      <a:tailEnd type="none" w="med" len="med"/>
+                    </a:lnB>
+                    <a:solidFill>
+                      <a:srgbClr val="4472C4"/>
+                    </a:solidFill>
+                  </a:tcPr>
+                </a:tc>
+                <a:extLst>
+                  <a:ext uri="{0D108BD9-81ED-4DB2-BD59-A6C34878D82A}">
+                    <a16:rowId xmlns:a16="http://schemas.microsoft.com/office/drawing/2014/main" val="2676167562"/>
+                  </a:ext>
+                </a:extLst>
+              </a:tr>
+              <a:tr h="370840">
+                <a:tc>
+                  <a:txBody>
+                    <a:bodyPr/>
+                    <a:lstStyle/>
+                    <a:p>
+                      <a:pPr algn="ctr" latinLnBrk="1"/>
+                      <a:r>
+                        <a:rPr lang="en-US" altLang="ko-KR" b="1" dirty="0">
+                          <a:solidFill>
+                            <a:schemeClr val="bg1"/>
+                          </a:solidFill>
+                        </a:rPr>
+                        <a:t>1</a:t>
+                      </a:r>
+                      <a:endParaRPr lang="ko-KR" altLang="en-US" b="1" dirty="0">
+                        <a:solidFill>
+                          <a:schemeClr val="bg1"/>
+                        </a:solidFill>
+                      </a:endParaRPr>
+                    </a:p>
+                  </a:txBody>
+                  <a:tcPr anchor="ctr">
+                    <a:lnL w="12700" cap="flat" cmpd="sng" algn="ctr">
+                      <a:solidFill>
+                        <a:schemeClr val="bg1"/>
+                      </a:solidFill>
+                      <a:prstDash val="solid"/>
+                      <a:round/>
+                      <a:headEnd type="none" w="med" len="med"/>
+                      <a:tailEnd type="none" w="med" len="med"/>
+                    </a:lnL>
+                    <a:lnR w="12700" cap="flat" cmpd="sng" algn="ctr">
+                      <a:solidFill>
+                        <a:schemeClr val="bg1"/>
+                      </a:solidFill>
+                      <a:prstDash val="solid"/>
+                      <a:round/>
+                      <a:headEnd type="none" w="med" len="med"/>
+                      <a:tailEnd type="none" w="med" len="med"/>
+                    </a:lnR>
+                    <a:lnT w="12700" cap="flat" cmpd="sng" algn="ctr">
+                      <a:solidFill>
+                        <a:schemeClr val="bg1"/>
+                      </a:solidFill>
+                      <a:prstDash val="solid"/>
+                      <a:round/>
+                      <a:headEnd type="none" w="med" len="med"/>
+                      <a:tailEnd type="none" w="med" len="med"/>
+                    </a:lnT>
+                    <a:lnB w="12700" cap="flat" cmpd="sng" algn="ctr">
+                      <a:solidFill>
+                        <a:schemeClr val="bg1"/>
+                      </a:solidFill>
+                      <a:prstDash val="solid"/>
+                      <a:round/>
+                      <a:headEnd type="none" w="med" len="med"/>
+                      <a:tailEnd type="none" w="med" len="med"/>
+                    </a:lnB>
+                    <a:solidFill>
+                      <a:srgbClr val="4472C4"/>
+                    </a:solidFill>
+                  </a:tcPr>
+                </a:tc>
+                <a:extLst>
+                  <a:ext uri="{0D108BD9-81ED-4DB2-BD59-A6C34878D82A}">
+                    <a16:rowId xmlns:a16="http://schemas.microsoft.com/office/drawing/2014/main" val="764217434"/>
+                  </a:ext>
+                </a:extLst>
+              </a:tr>
+            </a:tbl>
+          </a:graphicData>
+        </a:graphic>
+      </p:graphicFrame>
+      <p:sp>
+        <p:nvSpPr>
+          <p:cNvPr id="9" name="화살표: 오른쪽 8">
+            <a:extLst>
+              <a:ext uri="{FF2B5EF4-FFF2-40B4-BE49-F238E27FC236}">
+                <a16:creationId xmlns:a16="http://schemas.microsoft.com/office/drawing/2014/main" id="{19E0EF3A-F7C6-4676-969C-372D39F1DA96}"/>
+              </a:ext>
+            </a:extLst>
+          </p:cNvPr>
+          <p:cNvSpPr/>
+          <p:nvPr/>
+        </p:nvSpPr>
+        <p:spPr>
+          <a:xfrm>
+            <a:off x="6096000" y="1649186"/>
+            <a:ext cx="435035" cy="369332"/>
+          </a:xfrm>
+          <a:prstGeom prst="rightArrow">
+            <a:avLst/>
+          </a:prstGeom>
+          <a:solidFill>
+            <a:srgbClr val="FF0000"/>
+          </a:solidFill>
+          <a:ln>
+            <a:noFill/>
+          </a:ln>
+        </p:spPr>
+        <p:style>
+          <a:lnRef idx="2">
+            <a:schemeClr val="accent1">
+              <a:shade val="50000"/>
+            </a:schemeClr>
+          </a:lnRef>
+          <a:fillRef idx="1">
+            <a:schemeClr val="accent1"/>
+          </a:fillRef>
+          <a:effectRef idx="0">
+            <a:schemeClr val="accent1"/>
+          </a:effectRef>
+          <a:fontRef idx="minor">
+            <a:schemeClr val="lt1"/>
+          </a:fontRef>
+        </p:style>
+        <p:txBody>
+          <a:bodyPr rtlCol="0" anchor="ctr"/>
+          <a:lstStyle/>
+          <a:p>
+            <a:pPr algn="ctr"/>
+            <a:endParaRPr lang="ko-KR" altLang="en-US"/>
+          </a:p>
+        </p:txBody>
+      </p:sp>
+    </p:spTree>
+    <p:extLst>
+      <p:ext uri="{BB962C8B-B14F-4D97-AF65-F5344CB8AC3E}">
+        <p14:creationId xmlns:p14="http://schemas.microsoft.com/office/powerpoint/2010/main" val="2098843540"/>
+      </p:ext>
+    </p:extLst>
+  </p:cSld>
+  <p:clrMapOvr>
+    <a:masterClrMapping/>
+  </p:clrMapOvr>
+</p:sld>
+</file>
+
+<file path=ppt/slides/slide7.xml><?xml version="1.0" encoding="utf-8"?>
+<p:sld xmlns:a="http://schemas.openxmlformats.org/drawingml/2006/main" xmlns:r="http://schemas.openxmlformats.org/officeDocument/2006/relationships" xmlns:p="http://schemas.openxmlformats.org/presentationml/2006/main">
+  <p:cSld>
+    <p:spTree>
+      <p:nvGrpSpPr>
+        <p:cNvPr id="1" name=""/>
+        <p:cNvGrpSpPr/>
+        <p:nvPr/>
+      </p:nvGrpSpPr>
+      <p:grpSpPr>
+        <a:xfrm>
+          <a:off x="0" y="0"/>
+          <a:ext cx="0" cy="0"/>
+          <a:chOff x="0" y="0"/>
+          <a:chExt cx="0" cy="0"/>
+        </a:xfrm>
+      </p:grpSpPr>
+      <p:pic>
+        <p:nvPicPr>
+          <p:cNvPr id="10" name="그림 9">
+            <a:extLst>
+              <a:ext uri="{FF2B5EF4-FFF2-40B4-BE49-F238E27FC236}">
+                <a16:creationId xmlns:a16="http://schemas.microsoft.com/office/drawing/2014/main" id="{4230465A-CF76-4A5B-983B-2AA1AA495B34}"/>
+              </a:ext>
+            </a:extLst>
+          </p:cNvPr>
+          <p:cNvPicPr>
+            <a:picLocks noChangeAspect="1"/>
+          </p:cNvPicPr>
+          <p:nvPr/>
+        </p:nvPicPr>
+        <p:blipFill>
+          <a:blip r:embed="rId2"/>
+          <a:stretch>
+            <a:fillRect/>
+          </a:stretch>
+        </p:blipFill>
+        <p:spPr>
+          <a:xfrm>
+            <a:off x="3206811" y="350138"/>
+            <a:ext cx="5778378" cy="2084760"/>
+          </a:xfrm>
+          <a:prstGeom prst="rect">
+            <a:avLst/>
+          </a:prstGeom>
+        </p:spPr>
+      </p:pic>
+      <p:cxnSp>
+        <p:nvCxnSpPr>
+          <p:cNvPr id="12" name="직선 화살표 연결선 11">
+            <a:extLst>
+              <a:ext uri="{FF2B5EF4-FFF2-40B4-BE49-F238E27FC236}">
+                <a16:creationId xmlns:a16="http://schemas.microsoft.com/office/drawing/2014/main" id="{5945562B-5E20-47B8-BD6A-DC0D5A7CECAC}"/>
+              </a:ext>
+            </a:extLst>
+          </p:cNvPr>
+          <p:cNvCxnSpPr/>
+          <p:nvPr/>
+        </p:nvCxnSpPr>
+        <p:spPr>
+          <a:xfrm flipH="1">
+            <a:off x="4542412" y="2703479"/>
+            <a:ext cx="1123950" cy="609600"/>
+          </a:xfrm>
+          <a:prstGeom prst="straightConnector1">
+            <a:avLst/>
+          </a:prstGeom>
+          <a:ln w="57150">
+            <a:solidFill>
+              <a:srgbClr val="FF0000"/>
+            </a:solidFill>
+            <a:tailEnd type="triangle"/>
+          </a:ln>
+        </p:spPr>
+        <p:style>
+          <a:lnRef idx="1">
+            <a:schemeClr val="accent1"/>
+          </a:lnRef>
+          <a:fillRef idx="0">
+            <a:schemeClr val="accent1"/>
+          </a:fillRef>
+          <a:effectRef idx="0">
+            <a:schemeClr val="accent1"/>
+          </a:effectRef>
+          <a:fontRef idx="minor">
+            <a:schemeClr val="tx1"/>
+          </a:fontRef>
+        </p:style>
+      </p:cxnSp>
+      <p:sp>
+        <p:nvSpPr>
+          <p:cNvPr id="13" name="TextBox 12">
+            <a:extLst>
+              <a:ext uri="{FF2B5EF4-FFF2-40B4-BE49-F238E27FC236}">
+                <a16:creationId xmlns:a16="http://schemas.microsoft.com/office/drawing/2014/main" id="{AB3F8522-4ACB-46F5-9644-0389E934C8D6}"/>
+              </a:ext>
+            </a:extLst>
+          </p:cNvPr>
+          <p:cNvSpPr txBox="1"/>
+          <p:nvPr/>
+        </p:nvSpPr>
+        <p:spPr>
+          <a:xfrm>
+            <a:off x="2567954" y="2703479"/>
+            <a:ext cx="2097049" cy="369332"/>
+          </a:xfrm>
+          <a:prstGeom prst="rect">
+            <a:avLst/>
+          </a:prstGeom>
+          <a:noFill/>
+        </p:spPr>
+        <p:txBody>
+          <a:bodyPr wrap="none" rtlCol="0">
+            <a:spAutoFit/>
+          </a:bodyPr>
+          <a:lstStyle/>
+          <a:p>
+            <a:r>
+              <a:rPr lang="ko-KR" altLang="en-US" dirty="0"/>
+              <a:t>훈련용 데이터</a:t>
+            </a:r>
+            <a:r>
+              <a:rPr lang="en-US" altLang="ko-KR" dirty="0"/>
+              <a:t>(0.8)</a:t>
+            </a:r>
+            <a:endParaRPr lang="ko-KR" altLang="en-US" dirty="0"/>
+          </a:p>
+        </p:txBody>
+      </p:sp>
+      <p:cxnSp>
+        <p:nvCxnSpPr>
+          <p:cNvPr id="14" name="직선 화살표 연결선 13">
+            <a:extLst>
+              <a:ext uri="{FF2B5EF4-FFF2-40B4-BE49-F238E27FC236}">
+                <a16:creationId xmlns:a16="http://schemas.microsoft.com/office/drawing/2014/main" id="{CE25518D-47C7-4F94-BA0B-E8E8AB67A17C}"/>
+              </a:ext>
+            </a:extLst>
+          </p:cNvPr>
+          <p:cNvCxnSpPr>
+            <a:cxnSpLocks/>
+          </p:cNvCxnSpPr>
+          <p:nvPr/>
+        </p:nvCxnSpPr>
+        <p:spPr>
+          <a:xfrm>
+            <a:off x="6639461" y="2703479"/>
+            <a:ext cx="1183282" cy="609600"/>
+          </a:xfrm>
+          <a:prstGeom prst="straightConnector1">
+            <a:avLst/>
+          </a:prstGeom>
+          <a:ln w="57150">
+            <a:solidFill>
+              <a:srgbClr val="FF0000"/>
+            </a:solidFill>
+            <a:tailEnd type="triangle"/>
+          </a:ln>
+        </p:spPr>
+        <p:style>
+          <a:lnRef idx="1">
+            <a:schemeClr val="accent1"/>
+          </a:lnRef>
+          <a:fillRef idx="0">
+            <a:schemeClr val="accent1"/>
+          </a:fillRef>
+          <a:effectRef idx="0">
+            <a:schemeClr val="accent1"/>
+          </a:effectRef>
+          <a:fontRef idx="minor">
+            <a:schemeClr val="tx1"/>
+          </a:fontRef>
+        </p:style>
+      </p:cxnSp>
+      <p:sp>
+        <p:nvSpPr>
+          <p:cNvPr id="16" name="TextBox 15">
+            <a:extLst>
+              <a:ext uri="{FF2B5EF4-FFF2-40B4-BE49-F238E27FC236}">
+                <a16:creationId xmlns:a16="http://schemas.microsoft.com/office/drawing/2014/main" id="{075C3B63-84CF-46F0-8428-51FB6715C96B}"/>
+              </a:ext>
+            </a:extLst>
+          </p:cNvPr>
+          <p:cNvSpPr txBox="1"/>
+          <p:nvPr/>
+        </p:nvSpPr>
+        <p:spPr>
+          <a:xfrm>
+            <a:off x="7537450" y="2638947"/>
+            <a:ext cx="2097049" cy="369332"/>
+          </a:xfrm>
+          <a:prstGeom prst="rect">
+            <a:avLst/>
+          </a:prstGeom>
+          <a:noFill/>
+        </p:spPr>
+        <p:txBody>
+          <a:bodyPr wrap="none" rtlCol="0">
+            <a:spAutoFit/>
+          </a:bodyPr>
+          <a:lstStyle/>
+          <a:p>
+            <a:r>
+              <a:rPr lang="ko-KR" altLang="en-US" dirty="0"/>
+              <a:t>테스트 데이터</a:t>
+            </a:r>
+            <a:r>
+              <a:rPr lang="en-US" altLang="ko-KR" dirty="0"/>
+              <a:t>(0.2)</a:t>
+            </a:r>
+            <a:endParaRPr lang="ko-KR" altLang="en-US" dirty="0"/>
+          </a:p>
+        </p:txBody>
+      </p:sp>
+      <p:pic>
+        <p:nvPicPr>
+          <p:cNvPr id="25" name="그림 24">
+            <a:extLst>
+              <a:ext uri="{FF2B5EF4-FFF2-40B4-BE49-F238E27FC236}">
+                <a16:creationId xmlns:a16="http://schemas.microsoft.com/office/drawing/2014/main" id="{5154F5A1-164F-48FA-9AAE-665C055AF130}"/>
+              </a:ext>
+            </a:extLst>
+          </p:cNvPr>
+          <p:cNvPicPr>
+            <a:picLocks noChangeAspect="1"/>
+          </p:cNvPicPr>
+          <p:nvPr/>
+        </p:nvPicPr>
+        <p:blipFill>
+          <a:blip r:embed="rId3"/>
+          <a:stretch>
+            <a:fillRect/>
+          </a:stretch>
+        </p:blipFill>
+        <p:spPr>
+          <a:xfrm>
+            <a:off x="598597" y="3665966"/>
+            <a:ext cx="5216427" cy="2256022"/>
+          </a:xfrm>
+          <a:prstGeom prst="rect">
+            <a:avLst/>
+          </a:prstGeom>
+        </p:spPr>
+      </p:pic>
+      <p:pic>
+        <p:nvPicPr>
+          <p:cNvPr id="34" name="그림 33">
+            <a:extLst>
+              <a:ext uri="{FF2B5EF4-FFF2-40B4-BE49-F238E27FC236}">
+                <a16:creationId xmlns:a16="http://schemas.microsoft.com/office/drawing/2014/main" id="{412F95A4-0B2A-4946-B7CB-EF5F1D23DF21}"/>
+              </a:ext>
+            </a:extLst>
+          </p:cNvPr>
+          <p:cNvPicPr>
+            <a:picLocks noChangeAspect="1"/>
+          </p:cNvPicPr>
+          <p:nvPr/>
+        </p:nvPicPr>
+        <p:blipFill>
+          <a:blip r:embed="rId4"/>
+          <a:stretch>
+            <a:fillRect/>
+          </a:stretch>
+        </p:blipFill>
+        <p:spPr>
+          <a:xfrm>
+            <a:off x="8080017" y="3665966"/>
+            <a:ext cx="2099861" cy="2256022"/>
+          </a:xfrm>
+          <a:prstGeom prst="rect">
+            <a:avLst/>
+          </a:prstGeom>
+        </p:spPr>
+      </p:pic>
+    </p:spTree>
+    <p:extLst>
+      <p:ext uri="{BB962C8B-B14F-4D97-AF65-F5344CB8AC3E}">
+        <p14:creationId xmlns:p14="http://schemas.microsoft.com/office/powerpoint/2010/main" val="1678365067"/>
+      </p:ext>
+    </p:extLst>
+  </p:cSld>
+  <p:clrMapOvr>
+    <a:masterClrMapping/>
+  </p:clrMapOvr>
+</p:sld>
+</file>
+
 <file path=ppt/theme/theme1.xml><?xml version="1.0" encoding="utf-8"?>
 <a:theme xmlns:a="http://schemas.openxmlformats.org/drawingml/2006/main" name="Office 테마">
   <a:themeElements>
